--- a/presentation/Successive-Urban-Sensing-Data-Prediction-CNN.pptx
+++ b/presentation/Successive-Urban-Sensing-Data-Prediction-CNN.pptx
@@ -206,7 +206,7 @@
           <a:p>
             <a:fld id="{63937D59-5EDB-4C39-B697-625748F703B6}" type="datetimeFigureOut">
               <a:rPr lang="en-US" smtClean="0"/>
-              <a:t>11/18/2017</a:t>
+              <a:t>11/18/17</a:t>
             </a:fld>
             <a:endParaRPr lang="en-US"/>
           </a:p>
@@ -483,7 +483,7 @@
           <a:p>
             <a:fld id="{63937D59-5EDB-4C39-B697-625748F703B6}" type="datetimeFigureOut">
               <a:rPr lang="en-US" smtClean="0"/>
-              <a:t>11/18/2017</a:t>
+              <a:t>11/18/17</a:t>
             </a:fld>
             <a:endParaRPr lang="en-US"/>
           </a:p>
@@ -736,7 +736,7 @@
           <a:p>
             <a:fld id="{63937D59-5EDB-4C39-B697-625748F703B6}" type="datetimeFigureOut">
               <a:rPr lang="en-US" smtClean="0"/>
-              <a:t>11/18/2017</a:t>
+              <a:t>11/18/17</a:t>
             </a:fld>
             <a:endParaRPr lang="en-US"/>
           </a:p>
@@ -906,7 +906,7 @@
           <a:p>
             <a:fld id="{63937D59-5EDB-4C39-B697-625748F703B6}" type="datetimeFigureOut">
               <a:rPr lang="en-US" smtClean="0"/>
-              <a:t>11/18/2017</a:t>
+              <a:t>11/18/17</a:t>
             </a:fld>
             <a:endParaRPr lang="en-US"/>
           </a:p>
@@ -1086,7 +1086,7 @@
           <a:p>
             <a:fld id="{63937D59-5EDB-4C39-B697-625748F703B6}" type="datetimeFigureOut">
               <a:rPr lang="en-US" smtClean="0"/>
-              <a:t>11/18/2017</a:t>
+              <a:t>11/18/17</a:t>
             </a:fld>
             <a:endParaRPr lang="en-US"/>
           </a:p>
@@ -1684,7 +1684,7 @@
           <a:p>
             <a:fld id="{63937D59-5EDB-4C39-B697-625748F703B6}" type="datetimeFigureOut">
               <a:rPr lang="en-US" smtClean="0"/>
-              <a:t>11/18/2017</a:t>
+              <a:t>11/18/17</a:t>
             </a:fld>
             <a:endParaRPr lang="en-US"/>
           </a:p>
@@ -1854,7 +1854,7 @@
           <a:p>
             <a:fld id="{63937D59-5EDB-4C39-B697-625748F703B6}" type="datetimeFigureOut">
               <a:rPr lang="en-US" smtClean="0"/>
-              <a:t>11/18/2017</a:t>
+              <a:t>11/18/17</a:t>
             </a:fld>
             <a:endParaRPr lang="en-US"/>
           </a:p>
@@ -2100,7 +2100,7 @@
           <a:p>
             <a:fld id="{63937D59-5EDB-4C39-B697-625748F703B6}" type="datetimeFigureOut">
               <a:rPr lang="en-US" smtClean="0"/>
-              <a:t>11/18/2017</a:t>
+              <a:t>11/18/17</a:t>
             </a:fld>
             <a:endParaRPr lang="en-US"/>
           </a:p>
@@ -2388,7 +2388,7 @@
           <a:p>
             <a:fld id="{63937D59-5EDB-4C39-B697-625748F703B6}" type="datetimeFigureOut">
               <a:rPr lang="en-US" smtClean="0"/>
-              <a:t>11/18/2017</a:t>
+              <a:t>11/18/17</a:t>
             </a:fld>
             <a:endParaRPr lang="en-US"/>
           </a:p>
@@ -2810,7 +2810,7 @@
           <a:p>
             <a:fld id="{63937D59-5EDB-4C39-B697-625748F703B6}" type="datetimeFigureOut">
               <a:rPr lang="en-US" smtClean="0"/>
-              <a:t>11/18/2017</a:t>
+              <a:t>11/18/17</a:t>
             </a:fld>
             <a:endParaRPr lang="en-US"/>
           </a:p>
@@ -2928,7 +2928,7 @@
           <a:p>
             <a:fld id="{63937D59-5EDB-4C39-B697-625748F703B6}" type="datetimeFigureOut">
               <a:rPr lang="en-US" smtClean="0"/>
-              <a:t>11/18/2017</a:t>
+              <a:t>11/18/17</a:t>
             </a:fld>
             <a:endParaRPr lang="en-US"/>
           </a:p>
@@ -3432,7 +3432,7 @@
           <a:p>
             <a:fld id="{63937D59-5EDB-4C39-B697-625748F703B6}" type="datetimeFigureOut">
               <a:rPr lang="en-US" smtClean="0"/>
-              <a:t>11/18/2017</a:t>
+              <a:t>11/18/17</a:t>
             </a:fld>
             <a:endParaRPr lang="en-US"/>
           </a:p>
@@ -4026,6 +4026,13 @@
   <p:clrMapOvr>
     <a:masterClrMapping/>
   </p:clrMapOvr>
+  <p:timing>
+    <p:tnLst>
+      <p:par>
+        <p:cTn id="1" dur="indefinite" restart="never" nodeType="tmRoot"/>
+      </p:par>
+    </p:tnLst>
+  </p:timing>
 </p:sld>
 </file>
 
@@ -4198,6 +4205,13 @@
   <p:clrMapOvr>
     <a:masterClrMapping/>
   </p:clrMapOvr>
+  <p:timing>
+    <p:tnLst>
+      <p:par>
+        <p:cTn id="1" dur="indefinite" restart="never" nodeType="tmRoot"/>
+      </p:par>
+    </p:tnLst>
+  </p:timing>
 </p:sld>
 </file>
 
@@ -4309,7 +4323,7 @@
         <p:spPr>
           <a:xfrm>
             <a:off x="1763688" y="1059582"/>
-            <a:ext cx="6238296" cy="2308324"/>
+            <a:ext cx="7344816" cy="2585323"/>
           </a:xfrm>
           <a:prstGeom prst="rect">
             <a:avLst/>
@@ -4327,9 +4341,43 @@
               <a:buChar char="•"/>
             </a:pPr>
             <a:r>
+              <a:rPr lang="en-US" dirty="0"/>
+              <a:t>To provide the near future sensing </a:t>
+            </a:r>
+            <a:r>
               <a:rPr lang="en-US" dirty="0" smtClean="0"/>
-              <a:t>To be prepared and in control. </a:t>
-            </a:r>
+              <a:t>data.</a:t>
+            </a:r>
+          </a:p>
+          <a:p>
+            <a:pPr marL="285750" indent="-285750">
+              <a:buFont typeface="Arial" panose="020B0604020202020204" pitchFamily="34" charset="0"/>
+              <a:buChar char="•"/>
+            </a:pPr>
+            <a:endParaRPr lang="en-US" dirty="0"/>
+          </a:p>
+          <a:p>
+            <a:pPr marL="285750" indent="-285750">
+              <a:buFont typeface="Arial" panose="020B0604020202020204" pitchFamily="34" charset="0"/>
+              <a:buChar char="•"/>
+            </a:pPr>
+            <a:r>
+              <a:rPr lang="en-US" dirty="0"/>
+              <a:t>O</a:t>
+            </a:r>
+            <a:r>
+              <a:rPr lang="en-US" dirty="0" smtClean="0"/>
+              <a:t>ther </a:t>
+            </a:r>
+            <a:r>
+              <a:rPr lang="en-US" dirty="0"/>
+              <a:t>people </a:t>
+            </a:r>
+            <a:r>
+              <a:rPr lang="en-US" dirty="0" smtClean="0"/>
+              <a:t>will be able to analyze our predicted data.</a:t>
+            </a:r>
+            <a:endParaRPr lang="en-US" dirty="0"/>
           </a:p>
           <a:p>
             <a:pPr marL="285750" indent="-285750">
@@ -4345,19 +4393,15 @@
             </a:pPr>
             <a:r>
               <a:rPr lang="en-US" dirty="0" smtClean="0"/>
-              <a:t>To </a:t>
+              <a:t>Also to </a:t>
+            </a:r>
+            <a:r>
+              <a:rPr lang="en-US" dirty="0"/>
+              <a:t>build </a:t>
             </a:r>
             <a:r>
               <a:rPr lang="en-US" dirty="0" smtClean="0"/>
-              <a:t>decide </a:t>
-            </a:r>
-            <a:r>
-              <a:rPr lang="en-US" dirty="0" smtClean="0"/>
-              <a:t>which action to use for </a:t>
-            </a:r>
-            <a:r>
-              <a:rPr lang="en-US" dirty="0" smtClean="0"/>
-              <a:t>urban development.</a:t>
+              <a:t>on its top such as building a predictive model.</a:t>
             </a:r>
             <a:endParaRPr lang="en-US" dirty="0" smtClean="0"/>
           </a:p>
@@ -4366,21 +4410,6 @@
               <a:buFont typeface="Arial" panose="020B0604020202020204" pitchFamily="34" charset="0"/>
               <a:buChar char="•"/>
             </a:pPr>
-            <a:endParaRPr lang="en-US" dirty="0" smtClean="0"/>
-          </a:p>
-          <a:p>
-            <a:pPr marL="285750" indent="-285750">
-              <a:buFont typeface="Arial" panose="020B0604020202020204" pitchFamily="34" charset="0"/>
-              <a:buChar char="•"/>
-            </a:pPr>
-            <a:r>
-              <a:rPr lang="en-US" dirty="0" smtClean="0"/>
-              <a:t>Useful for </a:t>
-            </a:r>
-            <a:r>
-              <a:rPr lang="en-US" dirty="0" smtClean="0"/>
-              <a:t>improving people’s life expectancy.</a:t>
-            </a:r>
             <a:endParaRPr lang="en-US" dirty="0" smtClean="0"/>
           </a:p>
           <a:p>
@@ -4408,6 +4437,13 @@
   <p:clrMapOvr>
     <a:masterClrMapping/>
   </p:clrMapOvr>
+  <p:timing>
+    <p:tnLst>
+      <p:par>
+        <p:cTn id="1" dur="indefinite" restart="never" nodeType="tmRoot"/>
+      </p:par>
+    </p:tnLst>
+  </p:timing>
 </p:sld>
 </file>
 
@@ -4952,11 +4988,7 @@
             <a:pPr algn="ctr"/>
             <a:r>
               <a:rPr lang="en-US" sz="1400" dirty="0" smtClean="0"/>
-              <a:t>R-squared error</a:t>
-            </a:r>
-            <a:r>
-              <a:rPr lang="en-US" sz="1400" dirty="0" smtClean="0"/>
-              <a:t> </a:t>
+              <a:t>R-squared error </a:t>
             </a:r>
             <a:endParaRPr lang="en-US" sz="1400" dirty="0"/>
           </a:p>
@@ -5032,6 +5064,96 @@
           </a:fontRef>
         </p:style>
       </p:cxnSp>
+      <p:pic>
+        <p:nvPicPr>
+          <p:cNvPr id="18" name="Picture 17"/>
+          <p:cNvPicPr>
+            <a:picLocks noChangeAspect="1"/>
+          </p:cNvPicPr>
+          <p:nvPr/>
+        </p:nvPicPr>
+        <p:blipFill>
+          <a:blip r:embed="rId4" cstate="print">
+            <a:extLst>
+              <a:ext uri="{28A0092B-C50C-407E-A947-70E740481C1C}">
+                <a14:useLocalDpi xmlns:a14="http://schemas.microsoft.com/office/drawing/2010/main" val="0"/>
+              </a:ext>
+            </a:extLst>
+          </a:blip>
+          <a:stretch>
+            <a:fillRect/>
+          </a:stretch>
+        </p:blipFill>
+        <p:spPr>
+          <a:xfrm>
+            <a:off x="6317417" y="280829"/>
+            <a:ext cx="1108792" cy="1391535"/>
+          </a:xfrm>
+          <a:prstGeom prst="rect">
+            <a:avLst/>
+          </a:prstGeom>
+        </p:spPr>
+      </p:pic>
+      <p:pic>
+        <p:nvPicPr>
+          <p:cNvPr id="19" name="Picture 18"/>
+          <p:cNvPicPr>
+            <a:picLocks noChangeAspect="1"/>
+          </p:cNvPicPr>
+          <p:nvPr/>
+        </p:nvPicPr>
+        <p:blipFill>
+          <a:blip r:embed="rId5">
+            <a:extLst>
+              <a:ext uri="{28A0092B-C50C-407E-A947-70E740481C1C}">
+                <a14:useLocalDpi xmlns:a14="http://schemas.microsoft.com/office/drawing/2010/main" val="0"/>
+              </a:ext>
+            </a:extLst>
+          </a:blip>
+          <a:stretch>
+            <a:fillRect/>
+          </a:stretch>
+        </p:blipFill>
+        <p:spPr>
+          <a:xfrm>
+            <a:off x="3707904" y="2786576"/>
+            <a:ext cx="1080120" cy="1339349"/>
+          </a:xfrm>
+          <a:prstGeom prst="rect">
+            <a:avLst/>
+          </a:prstGeom>
+        </p:spPr>
+      </p:pic>
+      <p:pic>
+        <p:nvPicPr>
+          <p:cNvPr id="21" name="Picture 20"/>
+          <p:cNvPicPr>
+            <a:picLocks noChangeAspect="1"/>
+          </p:cNvPicPr>
+          <p:nvPr/>
+        </p:nvPicPr>
+        <p:blipFill>
+          <a:blip r:embed="rId5">
+            <a:extLst>
+              <a:ext uri="{28A0092B-C50C-407E-A947-70E740481C1C}">
+                <a14:useLocalDpi xmlns:a14="http://schemas.microsoft.com/office/drawing/2010/main" val="0"/>
+              </a:ext>
+            </a:extLst>
+          </a:blip>
+          <a:stretch>
+            <a:fillRect/>
+          </a:stretch>
+        </p:blipFill>
+        <p:spPr>
+          <a:xfrm>
+            <a:off x="7714241" y="276818"/>
+            <a:ext cx="1080120" cy="1339349"/>
+          </a:xfrm>
+          <a:prstGeom prst="rect">
+            <a:avLst/>
+          </a:prstGeom>
+        </p:spPr>
+      </p:pic>
     </p:spTree>
     <p:extLst>
       <p:ext uri="{BB962C8B-B14F-4D97-AF65-F5344CB8AC3E}">
@@ -5042,6 +5164,13 @@
   <p:clrMapOvr>
     <a:masterClrMapping/>
   </p:clrMapOvr>
+  <p:timing>
+    <p:tnLst>
+      <p:par>
+        <p:cTn id="1" dur="indefinite" restart="never" nodeType="tmRoot"/>
+      </p:par>
+    </p:tnLst>
+  </p:timing>
 </p:sld>
 </file>
 
@@ -5074,8 +5203,8 @@
         </p:nvSpPr>
         <p:spPr>
           <a:xfrm>
-            <a:off x="3707904" y="2139702"/>
-            <a:ext cx="2376264" cy="1296144"/>
+            <a:off x="2843808" y="2139702"/>
+            <a:ext cx="3240360" cy="1296144"/>
           </a:xfrm>
         </p:spPr>
         <p:txBody>
@@ -5083,10 +5212,10 @@
           <a:lstStyle/>
           <a:p>
             <a:r>
-              <a:rPr lang="en-US" altLang="ko-KR" sz="7200" dirty="0" smtClean="0"/>
-              <a:t>Q&amp;A</a:t>
-            </a:r>
-            <a:endParaRPr lang="ko-KR" altLang="en-US" sz="7200" dirty="0"/>
+              <a:rPr lang="en-US" altLang="ko-KR" sz="2000" dirty="0" smtClean="0"/>
+              <a:t>Thanks for Attention</a:t>
+            </a:r>
+            <a:endParaRPr lang="ko-KR" altLang="en-US" sz="2000" dirty="0"/>
           </a:p>
         </p:txBody>
       </p:sp>
@@ -5159,6 +5288,13 @@
   <p:clrMapOvr>
     <a:masterClrMapping/>
   </p:clrMapOvr>
+  <p:timing>
+    <p:tnLst>
+      <p:par>
+        <p:cTn id="1" dur="indefinite" restart="never" nodeType="tmRoot"/>
+      </p:par>
+    </p:tnLst>
+  </p:timing>
 </p:sld>
 </file>
 
